--- a/Plainte.pptx
+++ b/Plainte.pptx
@@ -35,11 +35,11 @@
   <p:notesSz cx="6858000" cy="9144000"/>
   <p:embeddedFontLst>
     <p:embeddedFont>
-      <p:font typeface="DM Serif Display"/>
+      <p:font typeface="DM Serif Display" charset="0"/>
       <p:regular r:id="rId29"/>
     </p:embeddedFont>
     <p:embeddedFont>
-      <p:font typeface="Didact Gothic" panose="00000500000000000000"/>
+      <p:font typeface="Didact Gothic" panose="00000500000000000000" charset="0"/>
       <p:regular r:id="rId30"/>
     </p:embeddedFont>
   </p:embeddedFontLst>
@@ -68,15 +68,15 @@
       <a:buClr>
         <a:srgbClr val="000000"/>
       </a:buClr>
-      <a:buFont typeface="Arial" panose="020B0604020202020204"/>
+      <a:buFont typeface="Arial" panose="020B0604020202090204"/>
       <a:defRPr sz="1400" b="0" i="0" u="none" strike="noStrike" cap="none">
         <a:solidFill>
           <a:srgbClr val="000000"/>
         </a:solidFill>
-        <a:latin typeface="Arial" panose="020B0604020202020204"/>
-        <a:ea typeface="Arial" panose="020B0604020202020204"/>
-        <a:cs typeface="Arial" panose="020B0604020202020204"/>
-        <a:sym typeface="Arial" panose="020B0604020202020204"/>
+        <a:latin typeface="Arial" panose="020B0604020202090204"/>
+        <a:ea typeface="Arial" panose="020B0604020202090204"/>
+        <a:cs typeface="Arial" panose="020B0604020202090204"/>
+        <a:sym typeface="Arial" panose="020B0604020202090204"/>
       </a:defRPr>
     </a:lvl1pPr>
     <a:lvl2pPr marR="0" lvl="1" algn="l" rtl="0">
@@ -92,15 +92,15 @@
       <a:buClr>
         <a:srgbClr val="000000"/>
       </a:buClr>
-      <a:buFont typeface="Arial" panose="020B0604020202020204"/>
+      <a:buFont typeface="Arial" panose="020B0604020202090204"/>
       <a:defRPr sz="1400" b="0" i="0" u="none" strike="noStrike" cap="none">
         <a:solidFill>
           <a:srgbClr val="000000"/>
         </a:solidFill>
-        <a:latin typeface="Arial" panose="020B0604020202020204"/>
-        <a:ea typeface="Arial" panose="020B0604020202020204"/>
-        <a:cs typeface="Arial" panose="020B0604020202020204"/>
-        <a:sym typeface="Arial" panose="020B0604020202020204"/>
+        <a:latin typeface="Arial" panose="020B0604020202090204"/>
+        <a:ea typeface="Arial" panose="020B0604020202090204"/>
+        <a:cs typeface="Arial" panose="020B0604020202090204"/>
+        <a:sym typeface="Arial" panose="020B0604020202090204"/>
       </a:defRPr>
     </a:lvl2pPr>
     <a:lvl3pPr marR="0" lvl="2" algn="l" rtl="0">
@@ -116,15 +116,15 @@
       <a:buClr>
         <a:srgbClr val="000000"/>
       </a:buClr>
-      <a:buFont typeface="Arial" panose="020B0604020202020204"/>
+      <a:buFont typeface="Arial" panose="020B0604020202090204"/>
       <a:defRPr sz="1400" b="0" i="0" u="none" strike="noStrike" cap="none">
         <a:solidFill>
           <a:srgbClr val="000000"/>
         </a:solidFill>
-        <a:latin typeface="Arial" panose="020B0604020202020204"/>
-        <a:ea typeface="Arial" panose="020B0604020202020204"/>
-        <a:cs typeface="Arial" panose="020B0604020202020204"/>
-        <a:sym typeface="Arial" panose="020B0604020202020204"/>
+        <a:latin typeface="Arial" panose="020B0604020202090204"/>
+        <a:ea typeface="Arial" panose="020B0604020202090204"/>
+        <a:cs typeface="Arial" panose="020B0604020202090204"/>
+        <a:sym typeface="Arial" panose="020B0604020202090204"/>
       </a:defRPr>
     </a:lvl3pPr>
     <a:lvl4pPr marR="0" lvl="3" algn="l" rtl="0">
@@ -140,15 +140,15 @@
       <a:buClr>
         <a:srgbClr val="000000"/>
       </a:buClr>
-      <a:buFont typeface="Arial" panose="020B0604020202020204"/>
+      <a:buFont typeface="Arial" panose="020B0604020202090204"/>
       <a:defRPr sz="1400" b="0" i="0" u="none" strike="noStrike" cap="none">
         <a:solidFill>
           <a:srgbClr val="000000"/>
         </a:solidFill>
-        <a:latin typeface="Arial" panose="020B0604020202020204"/>
-        <a:ea typeface="Arial" panose="020B0604020202020204"/>
-        <a:cs typeface="Arial" panose="020B0604020202020204"/>
-        <a:sym typeface="Arial" panose="020B0604020202020204"/>
+        <a:latin typeface="Arial" panose="020B0604020202090204"/>
+        <a:ea typeface="Arial" panose="020B0604020202090204"/>
+        <a:cs typeface="Arial" panose="020B0604020202090204"/>
+        <a:sym typeface="Arial" panose="020B0604020202090204"/>
       </a:defRPr>
     </a:lvl4pPr>
     <a:lvl5pPr marR="0" lvl="4" algn="l" rtl="0">
@@ -164,15 +164,15 @@
       <a:buClr>
         <a:srgbClr val="000000"/>
       </a:buClr>
-      <a:buFont typeface="Arial" panose="020B0604020202020204"/>
+      <a:buFont typeface="Arial" panose="020B0604020202090204"/>
       <a:defRPr sz="1400" b="0" i="0" u="none" strike="noStrike" cap="none">
         <a:solidFill>
           <a:srgbClr val="000000"/>
         </a:solidFill>
-        <a:latin typeface="Arial" panose="020B0604020202020204"/>
-        <a:ea typeface="Arial" panose="020B0604020202020204"/>
-        <a:cs typeface="Arial" panose="020B0604020202020204"/>
-        <a:sym typeface="Arial" panose="020B0604020202020204"/>
+        <a:latin typeface="Arial" panose="020B0604020202090204"/>
+        <a:ea typeface="Arial" panose="020B0604020202090204"/>
+        <a:cs typeface="Arial" panose="020B0604020202090204"/>
+        <a:sym typeface="Arial" panose="020B0604020202090204"/>
       </a:defRPr>
     </a:lvl5pPr>
     <a:lvl6pPr marR="0" lvl="5" algn="l" rtl="0">
@@ -188,15 +188,15 @@
       <a:buClr>
         <a:srgbClr val="000000"/>
       </a:buClr>
-      <a:buFont typeface="Arial" panose="020B0604020202020204"/>
+      <a:buFont typeface="Arial" panose="020B0604020202090204"/>
       <a:defRPr sz="1400" b="0" i="0" u="none" strike="noStrike" cap="none">
         <a:solidFill>
           <a:srgbClr val="000000"/>
         </a:solidFill>
-        <a:latin typeface="Arial" panose="020B0604020202020204"/>
-        <a:ea typeface="Arial" panose="020B0604020202020204"/>
-        <a:cs typeface="Arial" panose="020B0604020202020204"/>
-        <a:sym typeface="Arial" panose="020B0604020202020204"/>
+        <a:latin typeface="Arial" panose="020B0604020202090204"/>
+        <a:ea typeface="Arial" panose="020B0604020202090204"/>
+        <a:cs typeface="Arial" panose="020B0604020202090204"/>
+        <a:sym typeface="Arial" panose="020B0604020202090204"/>
       </a:defRPr>
     </a:lvl6pPr>
     <a:lvl7pPr marR="0" lvl="6" algn="l" rtl="0">
@@ -212,15 +212,15 @@
       <a:buClr>
         <a:srgbClr val="000000"/>
       </a:buClr>
-      <a:buFont typeface="Arial" panose="020B0604020202020204"/>
+      <a:buFont typeface="Arial" panose="020B0604020202090204"/>
       <a:defRPr sz="1400" b="0" i="0" u="none" strike="noStrike" cap="none">
         <a:solidFill>
           <a:srgbClr val="000000"/>
         </a:solidFill>
-        <a:latin typeface="Arial" panose="020B0604020202020204"/>
-        <a:ea typeface="Arial" panose="020B0604020202020204"/>
-        <a:cs typeface="Arial" panose="020B0604020202020204"/>
-        <a:sym typeface="Arial" panose="020B0604020202020204"/>
+        <a:latin typeface="Arial" panose="020B0604020202090204"/>
+        <a:ea typeface="Arial" panose="020B0604020202090204"/>
+        <a:cs typeface="Arial" panose="020B0604020202090204"/>
+        <a:sym typeface="Arial" panose="020B0604020202090204"/>
       </a:defRPr>
     </a:lvl7pPr>
     <a:lvl8pPr marR="0" lvl="7" algn="l" rtl="0">
@@ -236,15 +236,15 @@
       <a:buClr>
         <a:srgbClr val="000000"/>
       </a:buClr>
-      <a:buFont typeface="Arial" panose="020B0604020202020204"/>
+      <a:buFont typeface="Arial" panose="020B0604020202090204"/>
       <a:defRPr sz="1400" b="0" i="0" u="none" strike="noStrike" cap="none">
         <a:solidFill>
           <a:srgbClr val="000000"/>
         </a:solidFill>
-        <a:latin typeface="Arial" panose="020B0604020202020204"/>
-        <a:ea typeface="Arial" panose="020B0604020202020204"/>
-        <a:cs typeface="Arial" panose="020B0604020202020204"/>
-        <a:sym typeface="Arial" panose="020B0604020202020204"/>
+        <a:latin typeface="Arial" panose="020B0604020202090204"/>
+        <a:ea typeface="Arial" panose="020B0604020202090204"/>
+        <a:cs typeface="Arial" panose="020B0604020202090204"/>
+        <a:sym typeface="Arial" panose="020B0604020202090204"/>
       </a:defRPr>
     </a:lvl8pPr>
     <a:lvl9pPr marR="0" lvl="8" algn="l" rtl="0">
@@ -260,15 +260,15 @@
       <a:buClr>
         <a:srgbClr val="000000"/>
       </a:buClr>
-      <a:buFont typeface="Arial" panose="020B0604020202020204"/>
+      <a:buFont typeface="Arial" panose="020B0604020202090204"/>
       <a:defRPr sz="1400" b="0" i="0" u="none" strike="noStrike" cap="none">
         <a:solidFill>
           <a:srgbClr val="000000"/>
         </a:solidFill>
-        <a:latin typeface="Arial" panose="020B0604020202020204"/>
-        <a:ea typeface="Arial" panose="020B0604020202020204"/>
-        <a:cs typeface="Arial" panose="020B0604020202020204"/>
-        <a:sym typeface="Arial" panose="020B0604020202020204"/>
+        <a:latin typeface="Arial" panose="020B0604020202090204"/>
+        <a:ea typeface="Arial" panose="020B0604020202090204"/>
+        <a:cs typeface="Arial" panose="020B0604020202090204"/>
+        <a:sym typeface="Arial" panose="020B0604020202090204"/>
       </a:defRPr>
     </a:lvl9pPr>
   </p:defaultTextStyle>
@@ -503,15 +503,15 @@
       <a:buClr>
         <a:srgbClr val="000000"/>
       </a:buClr>
-      <a:buFont typeface="Arial" panose="020B0604020202020204"/>
+      <a:buFont typeface="Arial" panose="020B0604020202090204"/>
       <a:defRPr sz="1400" b="0" i="0" u="none" strike="noStrike" cap="none">
         <a:solidFill>
           <a:srgbClr val="000000"/>
         </a:solidFill>
-        <a:latin typeface="Arial" panose="020B0604020202020204"/>
-        <a:ea typeface="Arial" panose="020B0604020202020204"/>
-        <a:cs typeface="Arial" panose="020B0604020202020204"/>
-        <a:sym typeface="Arial" panose="020B0604020202020204"/>
+        <a:latin typeface="Arial" panose="020B0604020202090204"/>
+        <a:ea typeface="Arial" panose="020B0604020202090204"/>
+        <a:cs typeface="Arial" panose="020B0604020202090204"/>
+        <a:sym typeface="Arial" panose="020B0604020202090204"/>
       </a:defRPr>
     </a:lvl1pPr>
     <a:lvl2pPr marR="0" lvl="1" algn="l" rtl="0">
@@ -527,15 +527,15 @@
       <a:buClr>
         <a:srgbClr val="000000"/>
       </a:buClr>
-      <a:buFont typeface="Arial" panose="020B0604020202020204"/>
+      <a:buFont typeface="Arial" panose="020B0604020202090204"/>
       <a:defRPr sz="1400" b="0" i="0" u="none" strike="noStrike" cap="none">
         <a:solidFill>
           <a:srgbClr val="000000"/>
         </a:solidFill>
-        <a:latin typeface="Arial" panose="020B0604020202020204"/>
-        <a:ea typeface="Arial" panose="020B0604020202020204"/>
-        <a:cs typeface="Arial" panose="020B0604020202020204"/>
-        <a:sym typeface="Arial" panose="020B0604020202020204"/>
+        <a:latin typeface="Arial" panose="020B0604020202090204"/>
+        <a:ea typeface="Arial" panose="020B0604020202090204"/>
+        <a:cs typeface="Arial" panose="020B0604020202090204"/>
+        <a:sym typeface="Arial" panose="020B0604020202090204"/>
       </a:defRPr>
     </a:lvl2pPr>
     <a:lvl3pPr marR="0" lvl="2" algn="l" rtl="0">
@@ -551,15 +551,15 @@
       <a:buClr>
         <a:srgbClr val="000000"/>
       </a:buClr>
-      <a:buFont typeface="Arial" panose="020B0604020202020204"/>
+      <a:buFont typeface="Arial" panose="020B0604020202090204"/>
       <a:defRPr sz="1400" b="0" i="0" u="none" strike="noStrike" cap="none">
         <a:solidFill>
           <a:srgbClr val="000000"/>
         </a:solidFill>
-        <a:latin typeface="Arial" panose="020B0604020202020204"/>
-        <a:ea typeface="Arial" panose="020B0604020202020204"/>
-        <a:cs typeface="Arial" panose="020B0604020202020204"/>
-        <a:sym typeface="Arial" panose="020B0604020202020204"/>
+        <a:latin typeface="Arial" panose="020B0604020202090204"/>
+        <a:ea typeface="Arial" panose="020B0604020202090204"/>
+        <a:cs typeface="Arial" panose="020B0604020202090204"/>
+        <a:sym typeface="Arial" panose="020B0604020202090204"/>
       </a:defRPr>
     </a:lvl3pPr>
     <a:lvl4pPr marR="0" lvl="3" algn="l" rtl="0">
@@ -575,15 +575,15 @@
       <a:buClr>
         <a:srgbClr val="000000"/>
       </a:buClr>
-      <a:buFont typeface="Arial" panose="020B0604020202020204"/>
+      <a:buFont typeface="Arial" panose="020B0604020202090204"/>
       <a:defRPr sz="1400" b="0" i="0" u="none" strike="noStrike" cap="none">
         <a:solidFill>
           <a:srgbClr val="000000"/>
         </a:solidFill>
-        <a:latin typeface="Arial" panose="020B0604020202020204"/>
-        <a:ea typeface="Arial" panose="020B0604020202020204"/>
-        <a:cs typeface="Arial" panose="020B0604020202020204"/>
-        <a:sym typeface="Arial" panose="020B0604020202020204"/>
+        <a:latin typeface="Arial" panose="020B0604020202090204"/>
+        <a:ea typeface="Arial" panose="020B0604020202090204"/>
+        <a:cs typeface="Arial" panose="020B0604020202090204"/>
+        <a:sym typeface="Arial" panose="020B0604020202090204"/>
       </a:defRPr>
     </a:lvl4pPr>
     <a:lvl5pPr marR="0" lvl="4" algn="l" rtl="0">
@@ -599,15 +599,15 @@
       <a:buClr>
         <a:srgbClr val="000000"/>
       </a:buClr>
-      <a:buFont typeface="Arial" panose="020B0604020202020204"/>
+      <a:buFont typeface="Arial" panose="020B0604020202090204"/>
       <a:defRPr sz="1400" b="0" i="0" u="none" strike="noStrike" cap="none">
         <a:solidFill>
           <a:srgbClr val="000000"/>
         </a:solidFill>
-        <a:latin typeface="Arial" panose="020B0604020202020204"/>
-        <a:ea typeface="Arial" panose="020B0604020202020204"/>
-        <a:cs typeface="Arial" panose="020B0604020202020204"/>
-        <a:sym typeface="Arial" panose="020B0604020202020204"/>
+        <a:latin typeface="Arial" panose="020B0604020202090204"/>
+        <a:ea typeface="Arial" panose="020B0604020202090204"/>
+        <a:cs typeface="Arial" panose="020B0604020202090204"/>
+        <a:sym typeface="Arial" panose="020B0604020202090204"/>
       </a:defRPr>
     </a:lvl5pPr>
     <a:lvl6pPr marR="0" lvl="5" algn="l" rtl="0">
@@ -623,15 +623,15 @@
       <a:buClr>
         <a:srgbClr val="000000"/>
       </a:buClr>
-      <a:buFont typeface="Arial" panose="020B0604020202020204"/>
+      <a:buFont typeface="Arial" panose="020B0604020202090204"/>
       <a:defRPr sz="1400" b="0" i="0" u="none" strike="noStrike" cap="none">
         <a:solidFill>
           <a:srgbClr val="000000"/>
         </a:solidFill>
-        <a:latin typeface="Arial" panose="020B0604020202020204"/>
-        <a:ea typeface="Arial" panose="020B0604020202020204"/>
-        <a:cs typeface="Arial" panose="020B0604020202020204"/>
-        <a:sym typeface="Arial" panose="020B0604020202020204"/>
+        <a:latin typeface="Arial" panose="020B0604020202090204"/>
+        <a:ea typeface="Arial" panose="020B0604020202090204"/>
+        <a:cs typeface="Arial" panose="020B0604020202090204"/>
+        <a:sym typeface="Arial" panose="020B0604020202090204"/>
       </a:defRPr>
     </a:lvl6pPr>
     <a:lvl7pPr marR="0" lvl="6" algn="l" rtl="0">
@@ -647,15 +647,15 @@
       <a:buClr>
         <a:srgbClr val="000000"/>
       </a:buClr>
-      <a:buFont typeface="Arial" panose="020B0604020202020204"/>
+      <a:buFont typeface="Arial" panose="020B0604020202090204"/>
       <a:defRPr sz="1400" b="0" i="0" u="none" strike="noStrike" cap="none">
         <a:solidFill>
           <a:srgbClr val="000000"/>
         </a:solidFill>
-        <a:latin typeface="Arial" panose="020B0604020202020204"/>
-        <a:ea typeface="Arial" panose="020B0604020202020204"/>
-        <a:cs typeface="Arial" panose="020B0604020202020204"/>
-        <a:sym typeface="Arial" panose="020B0604020202020204"/>
+        <a:latin typeface="Arial" panose="020B0604020202090204"/>
+        <a:ea typeface="Arial" panose="020B0604020202090204"/>
+        <a:cs typeface="Arial" panose="020B0604020202090204"/>
+        <a:sym typeface="Arial" panose="020B0604020202090204"/>
       </a:defRPr>
     </a:lvl7pPr>
     <a:lvl8pPr marR="0" lvl="7" algn="l" rtl="0">
@@ -671,15 +671,15 @@
       <a:buClr>
         <a:srgbClr val="000000"/>
       </a:buClr>
-      <a:buFont typeface="Arial" panose="020B0604020202020204"/>
+      <a:buFont typeface="Arial" panose="020B0604020202090204"/>
       <a:defRPr sz="1400" b="0" i="0" u="none" strike="noStrike" cap="none">
         <a:solidFill>
           <a:srgbClr val="000000"/>
         </a:solidFill>
-        <a:latin typeface="Arial" panose="020B0604020202020204"/>
-        <a:ea typeface="Arial" panose="020B0604020202020204"/>
-        <a:cs typeface="Arial" panose="020B0604020202020204"/>
-        <a:sym typeface="Arial" panose="020B0604020202020204"/>
+        <a:latin typeface="Arial" panose="020B0604020202090204"/>
+        <a:ea typeface="Arial" panose="020B0604020202090204"/>
+        <a:cs typeface="Arial" panose="020B0604020202090204"/>
+        <a:sym typeface="Arial" panose="020B0604020202090204"/>
       </a:defRPr>
     </a:lvl8pPr>
     <a:lvl9pPr marR="0" lvl="8" algn="l" rtl="0">
@@ -695,15 +695,15 @@
       <a:buClr>
         <a:srgbClr val="000000"/>
       </a:buClr>
-      <a:buFont typeface="Arial" panose="020B0604020202020204"/>
+      <a:buFont typeface="Arial" panose="020B0604020202090204"/>
       <a:defRPr sz="1400" b="0" i="0" u="none" strike="noStrike" cap="none">
         <a:solidFill>
           <a:srgbClr val="000000"/>
         </a:solidFill>
-        <a:latin typeface="Arial" panose="020B0604020202020204"/>
-        <a:ea typeface="Arial" panose="020B0604020202020204"/>
-        <a:cs typeface="Arial" panose="020B0604020202020204"/>
-        <a:sym typeface="Arial" panose="020B0604020202020204"/>
+        <a:latin typeface="Arial" panose="020B0604020202090204"/>
+        <a:ea typeface="Arial" panose="020B0604020202090204"/>
+        <a:cs typeface="Arial" panose="020B0604020202090204"/>
+        <a:sym typeface="Arial" panose="020B0604020202090204"/>
       </a:defRPr>
     </a:lvl9pPr>
   </p:notesStyle>
@@ -21949,15 +21949,15 @@
         <a:buClr>
           <a:srgbClr val="000000"/>
         </a:buClr>
-        <a:buFont typeface="Arial" panose="020B0604020202020204"/>
+        <a:buFont typeface="Arial" panose="020B0604020202090204"/>
         <a:defRPr sz="1400" b="0" i="0" u="none" strike="noStrike" cap="none">
           <a:solidFill>
             <a:srgbClr val="000000"/>
           </a:solidFill>
-          <a:latin typeface="Arial" panose="020B0604020202020204"/>
-          <a:ea typeface="Arial" panose="020B0604020202020204"/>
-          <a:cs typeface="Arial" panose="020B0604020202020204"/>
-          <a:sym typeface="Arial" panose="020B0604020202020204"/>
+          <a:latin typeface="Arial" panose="020B0604020202090204"/>
+          <a:ea typeface="Arial" panose="020B0604020202090204"/>
+          <a:cs typeface="Arial" panose="020B0604020202090204"/>
+          <a:sym typeface="Arial" panose="020B0604020202090204"/>
         </a:defRPr>
       </a:lvl1pPr>
       <a:lvl2pPr marR="0" lvl="1" algn="l" rtl="0">
@@ -21973,15 +21973,15 @@
         <a:buClr>
           <a:srgbClr val="000000"/>
         </a:buClr>
-        <a:buFont typeface="Arial" panose="020B0604020202020204"/>
+        <a:buFont typeface="Arial" panose="020B0604020202090204"/>
         <a:defRPr sz="1400" b="0" i="0" u="none" strike="noStrike" cap="none">
           <a:solidFill>
             <a:srgbClr val="000000"/>
           </a:solidFill>
-          <a:latin typeface="Arial" panose="020B0604020202020204"/>
-          <a:ea typeface="Arial" panose="020B0604020202020204"/>
-          <a:cs typeface="Arial" panose="020B0604020202020204"/>
-          <a:sym typeface="Arial" panose="020B0604020202020204"/>
+          <a:latin typeface="Arial" panose="020B0604020202090204"/>
+          <a:ea typeface="Arial" panose="020B0604020202090204"/>
+          <a:cs typeface="Arial" panose="020B0604020202090204"/>
+          <a:sym typeface="Arial" panose="020B0604020202090204"/>
         </a:defRPr>
       </a:lvl2pPr>
       <a:lvl3pPr marR="0" lvl="2" algn="l" rtl="0">
@@ -21997,15 +21997,15 @@
         <a:buClr>
           <a:srgbClr val="000000"/>
         </a:buClr>
-        <a:buFont typeface="Arial" panose="020B0604020202020204"/>
+        <a:buFont typeface="Arial" panose="020B0604020202090204"/>
         <a:defRPr sz="1400" b="0" i="0" u="none" strike="noStrike" cap="none">
           <a:solidFill>
             <a:srgbClr val="000000"/>
           </a:solidFill>
-          <a:latin typeface="Arial" panose="020B0604020202020204"/>
-          <a:ea typeface="Arial" panose="020B0604020202020204"/>
-          <a:cs typeface="Arial" panose="020B0604020202020204"/>
-          <a:sym typeface="Arial" panose="020B0604020202020204"/>
+          <a:latin typeface="Arial" panose="020B0604020202090204"/>
+          <a:ea typeface="Arial" panose="020B0604020202090204"/>
+          <a:cs typeface="Arial" panose="020B0604020202090204"/>
+          <a:sym typeface="Arial" panose="020B0604020202090204"/>
         </a:defRPr>
       </a:lvl3pPr>
       <a:lvl4pPr marR="0" lvl="3" algn="l" rtl="0">
@@ -22021,15 +22021,15 @@
         <a:buClr>
           <a:srgbClr val="000000"/>
         </a:buClr>
-        <a:buFont typeface="Arial" panose="020B0604020202020204"/>
+        <a:buFont typeface="Arial" panose="020B0604020202090204"/>
         <a:defRPr sz="1400" b="0" i="0" u="none" strike="noStrike" cap="none">
           <a:solidFill>
             <a:srgbClr val="000000"/>
           </a:solidFill>
-          <a:latin typeface="Arial" panose="020B0604020202020204"/>
-          <a:ea typeface="Arial" panose="020B0604020202020204"/>
-          <a:cs typeface="Arial" panose="020B0604020202020204"/>
-          <a:sym typeface="Arial" panose="020B0604020202020204"/>
+          <a:latin typeface="Arial" panose="020B0604020202090204"/>
+          <a:ea typeface="Arial" panose="020B0604020202090204"/>
+          <a:cs typeface="Arial" panose="020B0604020202090204"/>
+          <a:sym typeface="Arial" panose="020B0604020202090204"/>
         </a:defRPr>
       </a:lvl4pPr>
       <a:lvl5pPr marR="0" lvl="4" algn="l" rtl="0">
@@ -22045,15 +22045,15 @@
         <a:buClr>
           <a:srgbClr val="000000"/>
         </a:buClr>
-        <a:buFont typeface="Arial" panose="020B0604020202020204"/>
+        <a:buFont typeface="Arial" panose="020B0604020202090204"/>
         <a:defRPr sz="1400" b="0" i="0" u="none" strike="noStrike" cap="none">
           <a:solidFill>
             <a:srgbClr val="000000"/>
           </a:solidFill>
-          <a:latin typeface="Arial" panose="020B0604020202020204"/>
-          <a:ea typeface="Arial" panose="020B0604020202020204"/>
-          <a:cs typeface="Arial" panose="020B0604020202020204"/>
-          <a:sym typeface="Arial" panose="020B0604020202020204"/>
+          <a:latin typeface="Arial" panose="020B0604020202090204"/>
+          <a:ea typeface="Arial" panose="020B0604020202090204"/>
+          <a:cs typeface="Arial" panose="020B0604020202090204"/>
+          <a:sym typeface="Arial" panose="020B0604020202090204"/>
         </a:defRPr>
       </a:lvl5pPr>
       <a:lvl6pPr marR="0" lvl="5" algn="l" rtl="0">
@@ -22069,15 +22069,15 @@
         <a:buClr>
           <a:srgbClr val="000000"/>
         </a:buClr>
-        <a:buFont typeface="Arial" panose="020B0604020202020204"/>
+        <a:buFont typeface="Arial" panose="020B0604020202090204"/>
         <a:defRPr sz="1400" b="0" i="0" u="none" strike="noStrike" cap="none">
           <a:solidFill>
             <a:srgbClr val="000000"/>
           </a:solidFill>
-          <a:latin typeface="Arial" panose="020B0604020202020204"/>
-          <a:ea typeface="Arial" panose="020B0604020202020204"/>
-          <a:cs typeface="Arial" panose="020B0604020202020204"/>
-          <a:sym typeface="Arial" panose="020B0604020202020204"/>
+          <a:latin typeface="Arial" panose="020B0604020202090204"/>
+          <a:ea typeface="Arial" panose="020B0604020202090204"/>
+          <a:cs typeface="Arial" panose="020B0604020202090204"/>
+          <a:sym typeface="Arial" panose="020B0604020202090204"/>
         </a:defRPr>
       </a:lvl6pPr>
       <a:lvl7pPr marR="0" lvl="6" algn="l" rtl="0">
@@ -22093,15 +22093,15 @@
         <a:buClr>
           <a:srgbClr val="000000"/>
         </a:buClr>
-        <a:buFont typeface="Arial" panose="020B0604020202020204"/>
+        <a:buFont typeface="Arial" panose="020B0604020202090204"/>
         <a:defRPr sz="1400" b="0" i="0" u="none" strike="noStrike" cap="none">
           <a:solidFill>
             <a:srgbClr val="000000"/>
           </a:solidFill>
-          <a:latin typeface="Arial" panose="020B0604020202020204"/>
-          <a:ea typeface="Arial" panose="020B0604020202020204"/>
-          <a:cs typeface="Arial" panose="020B0604020202020204"/>
-          <a:sym typeface="Arial" panose="020B0604020202020204"/>
+          <a:latin typeface="Arial" panose="020B0604020202090204"/>
+          <a:ea typeface="Arial" panose="020B0604020202090204"/>
+          <a:cs typeface="Arial" panose="020B0604020202090204"/>
+          <a:sym typeface="Arial" panose="020B0604020202090204"/>
         </a:defRPr>
       </a:lvl7pPr>
       <a:lvl8pPr marR="0" lvl="7" algn="l" rtl="0">
@@ -22117,15 +22117,15 @@
         <a:buClr>
           <a:srgbClr val="000000"/>
         </a:buClr>
-        <a:buFont typeface="Arial" panose="020B0604020202020204"/>
+        <a:buFont typeface="Arial" panose="020B0604020202090204"/>
         <a:defRPr sz="1400" b="0" i="0" u="none" strike="noStrike" cap="none">
           <a:solidFill>
             <a:srgbClr val="000000"/>
           </a:solidFill>
-          <a:latin typeface="Arial" panose="020B0604020202020204"/>
-          <a:ea typeface="Arial" panose="020B0604020202020204"/>
-          <a:cs typeface="Arial" panose="020B0604020202020204"/>
-          <a:sym typeface="Arial" panose="020B0604020202020204"/>
+          <a:latin typeface="Arial" panose="020B0604020202090204"/>
+          <a:ea typeface="Arial" panose="020B0604020202090204"/>
+          <a:cs typeface="Arial" panose="020B0604020202090204"/>
+          <a:sym typeface="Arial" panose="020B0604020202090204"/>
         </a:defRPr>
       </a:lvl8pPr>
       <a:lvl9pPr marR="0" lvl="8" algn="l" rtl="0">
@@ -22141,15 +22141,15 @@
         <a:buClr>
           <a:srgbClr val="000000"/>
         </a:buClr>
-        <a:buFont typeface="Arial" panose="020B0604020202020204"/>
+        <a:buFont typeface="Arial" panose="020B0604020202090204"/>
         <a:defRPr sz="1400" b="0" i="0" u="none" strike="noStrike" cap="none">
           <a:solidFill>
             <a:srgbClr val="000000"/>
           </a:solidFill>
-          <a:latin typeface="Arial" panose="020B0604020202020204"/>
-          <a:ea typeface="Arial" panose="020B0604020202020204"/>
-          <a:cs typeface="Arial" panose="020B0604020202020204"/>
-          <a:sym typeface="Arial" panose="020B0604020202020204"/>
+          <a:latin typeface="Arial" panose="020B0604020202090204"/>
+          <a:ea typeface="Arial" panose="020B0604020202090204"/>
+          <a:cs typeface="Arial" panose="020B0604020202090204"/>
+          <a:sym typeface="Arial" panose="020B0604020202090204"/>
         </a:defRPr>
       </a:lvl9pPr>
     </p:titleStyle>
@@ -22178,15 +22178,15 @@
         <a:buClr>
           <a:srgbClr val="000000"/>
         </a:buClr>
-        <a:buFont typeface="Arial" panose="020B0604020202020204"/>
+        <a:buFont typeface="Arial" panose="020B0604020202090204"/>
         <a:defRPr sz="1400" b="0" i="0" u="none" strike="noStrike" cap="none">
           <a:solidFill>
             <a:srgbClr val="000000"/>
           </a:solidFill>
-          <a:latin typeface="Arial" panose="020B0604020202020204"/>
-          <a:ea typeface="Arial" panose="020B0604020202020204"/>
-          <a:cs typeface="Arial" panose="020B0604020202020204"/>
-          <a:sym typeface="Arial" panose="020B0604020202020204"/>
+          <a:latin typeface="Arial" panose="020B0604020202090204"/>
+          <a:ea typeface="Arial" panose="020B0604020202090204"/>
+          <a:cs typeface="Arial" panose="020B0604020202090204"/>
+          <a:sym typeface="Arial" panose="020B0604020202090204"/>
         </a:defRPr>
       </a:lvl1pPr>
       <a:lvl2pPr marR="0" lvl="1" algn="l" rtl="0">
@@ -22202,15 +22202,15 @@
         <a:buClr>
           <a:srgbClr val="000000"/>
         </a:buClr>
-        <a:buFont typeface="Arial" panose="020B0604020202020204"/>
+        <a:buFont typeface="Arial" panose="020B0604020202090204"/>
         <a:defRPr sz="1400" b="0" i="0" u="none" strike="noStrike" cap="none">
           <a:solidFill>
             <a:srgbClr val="000000"/>
           </a:solidFill>
-          <a:latin typeface="Arial" panose="020B0604020202020204"/>
-          <a:ea typeface="Arial" panose="020B0604020202020204"/>
-          <a:cs typeface="Arial" panose="020B0604020202020204"/>
-          <a:sym typeface="Arial" panose="020B0604020202020204"/>
+          <a:latin typeface="Arial" panose="020B0604020202090204"/>
+          <a:ea typeface="Arial" panose="020B0604020202090204"/>
+          <a:cs typeface="Arial" panose="020B0604020202090204"/>
+          <a:sym typeface="Arial" panose="020B0604020202090204"/>
         </a:defRPr>
       </a:lvl2pPr>
       <a:lvl3pPr marR="0" lvl="2" algn="l" rtl="0">
@@ -22226,15 +22226,15 @@
         <a:buClr>
           <a:srgbClr val="000000"/>
         </a:buClr>
-        <a:buFont typeface="Arial" panose="020B0604020202020204"/>
+        <a:buFont typeface="Arial" panose="020B0604020202090204"/>
         <a:defRPr sz="1400" b="0" i="0" u="none" strike="noStrike" cap="none">
           <a:solidFill>
             <a:srgbClr val="000000"/>
           </a:solidFill>
-          <a:latin typeface="Arial" panose="020B0604020202020204"/>
-          <a:ea typeface="Arial" panose="020B0604020202020204"/>
-          <a:cs typeface="Arial" panose="020B0604020202020204"/>
-          <a:sym typeface="Arial" panose="020B0604020202020204"/>
+          <a:latin typeface="Arial" panose="020B0604020202090204"/>
+          <a:ea typeface="Arial" panose="020B0604020202090204"/>
+          <a:cs typeface="Arial" panose="020B0604020202090204"/>
+          <a:sym typeface="Arial" panose="020B0604020202090204"/>
         </a:defRPr>
       </a:lvl3pPr>
       <a:lvl4pPr marR="0" lvl="3" algn="l" rtl="0">
@@ -22250,15 +22250,15 @@
         <a:buClr>
           <a:srgbClr val="000000"/>
         </a:buClr>
-        <a:buFont typeface="Arial" panose="020B0604020202020204"/>
+        <a:buFont typeface="Arial" panose="020B0604020202090204"/>
         <a:defRPr sz="1400" b="0" i="0" u="none" strike="noStrike" cap="none">
           <a:solidFill>
             <a:srgbClr val="000000"/>
           </a:solidFill>
-          <a:latin typeface="Arial" panose="020B0604020202020204"/>
-          <a:ea typeface="Arial" panose="020B0604020202020204"/>
-          <a:cs typeface="Arial" panose="020B0604020202020204"/>
-          <a:sym typeface="Arial" panose="020B0604020202020204"/>
+          <a:latin typeface="Arial" panose="020B0604020202090204"/>
+          <a:ea typeface="Arial" panose="020B0604020202090204"/>
+          <a:cs typeface="Arial" panose="020B0604020202090204"/>
+          <a:sym typeface="Arial" panose="020B0604020202090204"/>
         </a:defRPr>
       </a:lvl4pPr>
       <a:lvl5pPr marR="0" lvl="4" algn="l" rtl="0">
@@ -22274,15 +22274,15 @@
         <a:buClr>
           <a:srgbClr val="000000"/>
         </a:buClr>
-        <a:buFont typeface="Arial" panose="020B0604020202020204"/>
+        <a:buFont typeface="Arial" panose="020B0604020202090204"/>
         <a:defRPr sz="1400" b="0" i="0" u="none" strike="noStrike" cap="none">
           <a:solidFill>
             <a:srgbClr val="000000"/>
           </a:solidFill>
-          <a:latin typeface="Arial" panose="020B0604020202020204"/>
-          <a:ea typeface="Arial" panose="020B0604020202020204"/>
-          <a:cs typeface="Arial" panose="020B0604020202020204"/>
-          <a:sym typeface="Arial" panose="020B0604020202020204"/>
+          <a:latin typeface="Arial" panose="020B0604020202090204"/>
+          <a:ea typeface="Arial" panose="020B0604020202090204"/>
+          <a:cs typeface="Arial" panose="020B0604020202090204"/>
+          <a:sym typeface="Arial" panose="020B0604020202090204"/>
         </a:defRPr>
       </a:lvl5pPr>
       <a:lvl6pPr marR="0" lvl="5" algn="l" rtl="0">
@@ -22298,15 +22298,15 @@
         <a:buClr>
           <a:srgbClr val="000000"/>
         </a:buClr>
-        <a:buFont typeface="Arial" panose="020B0604020202020204"/>
+        <a:buFont typeface="Arial" panose="020B0604020202090204"/>
         <a:defRPr sz="1400" b="0" i="0" u="none" strike="noStrike" cap="none">
           <a:solidFill>
             <a:srgbClr val="000000"/>
           </a:solidFill>
-          <a:latin typeface="Arial" panose="020B0604020202020204"/>
-          <a:ea typeface="Arial" panose="020B0604020202020204"/>
-          <a:cs typeface="Arial" panose="020B0604020202020204"/>
-          <a:sym typeface="Arial" panose="020B0604020202020204"/>
+          <a:latin typeface="Arial" panose="020B0604020202090204"/>
+          <a:ea typeface="Arial" panose="020B0604020202090204"/>
+          <a:cs typeface="Arial" panose="020B0604020202090204"/>
+          <a:sym typeface="Arial" panose="020B0604020202090204"/>
         </a:defRPr>
       </a:lvl6pPr>
       <a:lvl7pPr marR="0" lvl="6" algn="l" rtl="0">
@@ -22322,15 +22322,15 @@
         <a:buClr>
           <a:srgbClr val="000000"/>
         </a:buClr>
-        <a:buFont typeface="Arial" panose="020B0604020202020204"/>
+        <a:buFont typeface="Arial" panose="020B0604020202090204"/>
         <a:defRPr sz="1400" b="0" i="0" u="none" strike="noStrike" cap="none">
           <a:solidFill>
             <a:srgbClr val="000000"/>
           </a:solidFill>
-          <a:latin typeface="Arial" panose="020B0604020202020204"/>
-          <a:ea typeface="Arial" panose="020B0604020202020204"/>
-          <a:cs typeface="Arial" panose="020B0604020202020204"/>
-          <a:sym typeface="Arial" panose="020B0604020202020204"/>
+          <a:latin typeface="Arial" panose="020B0604020202090204"/>
+          <a:ea typeface="Arial" panose="020B0604020202090204"/>
+          <a:cs typeface="Arial" panose="020B0604020202090204"/>
+          <a:sym typeface="Arial" panose="020B0604020202090204"/>
         </a:defRPr>
       </a:lvl7pPr>
       <a:lvl8pPr marR="0" lvl="7" algn="l" rtl="0">
@@ -22346,15 +22346,15 @@
         <a:buClr>
           <a:srgbClr val="000000"/>
         </a:buClr>
-        <a:buFont typeface="Arial" panose="020B0604020202020204"/>
+        <a:buFont typeface="Arial" panose="020B0604020202090204"/>
         <a:defRPr sz="1400" b="0" i="0" u="none" strike="noStrike" cap="none">
           <a:solidFill>
             <a:srgbClr val="000000"/>
           </a:solidFill>
-          <a:latin typeface="Arial" panose="020B0604020202020204"/>
-          <a:ea typeface="Arial" panose="020B0604020202020204"/>
-          <a:cs typeface="Arial" panose="020B0604020202020204"/>
-          <a:sym typeface="Arial" panose="020B0604020202020204"/>
+          <a:latin typeface="Arial" panose="020B0604020202090204"/>
+          <a:ea typeface="Arial" panose="020B0604020202090204"/>
+          <a:cs typeface="Arial" panose="020B0604020202090204"/>
+          <a:sym typeface="Arial" panose="020B0604020202090204"/>
         </a:defRPr>
       </a:lvl8pPr>
       <a:lvl9pPr marR="0" lvl="8" algn="l" rtl="0">
@@ -22370,15 +22370,15 @@
         <a:buClr>
           <a:srgbClr val="000000"/>
         </a:buClr>
-        <a:buFont typeface="Arial" panose="020B0604020202020204"/>
+        <a:buFont typeface="Arial" panose="020B0604020202090204"/>
         <a:defRPr sz="1400" b="0" i="0" u="none" strike="noStrike" cap="none">
           <a:solidFill>
             <a:srgbClr val="000000"/>
           </a:solidFill>
-          <a:latin typeface="Arial" panose="020B0604020202020204"/>
-          <a:ea typeface="Arial" panose="020B0604020202020204"/>
-          <a:cs typeface="Arial" panose="020B0604020202020204"/>
-          <a:sym typeface="Arial" panose="020B0604020202020204"/>
+          <a:latin typeface="Arial" panose="020B0604020202090204"/>
+          <a:ea typeface="Arial" panose="020B0604020202090204"/>
+          <a:cs typeface="Arial" panose="020B0604020202090204"/>
+          <a:sym typeface="Arial" panose="020B0604020202090204"/>
         </a:defRPr>
       </a:lvl9pPr>
     </p:bodyStyle>
@@ -22407,15 +22407,15 @@
         <a:buClr>
           <a:srgbClr val="000000"/>
         </a:buClr>
-        <a:buFont typeface="Arial" panose="020B0604020202020204"/>
+        <a:buFont typeface="Arial" panose="020B0604020202090204"/>
         <a:defRPr sz="1400" b="0" i="0" u="none" strike="noStrike" cap="none">
           <a:solidFill>
             <a:srgbClr val="000000"/>
           </a:solidFill>
-          <a:latin typeface="Arial" panose="020B0604020202020204"/>
-          <a:ea typeface="Arial" panose="020B0604020202020204"/>
-          <a:cs typeface="Arial" panose="020B0604020202020204"/>
-          <a:sym typeface="Arial" panose="020B0604020202020204"/>
+          <a:latin typeface="Arial" panose="020B0604020202090204"/>
+          <a:ea typeface="Arial" panose="020B0604020202090204"/>
+          <a:cs typeface="Arial" panose="020B0604020202090204"/>
+          <a:sym typeface="Arial" panose="020B0604020202090204"/>
         </a:defRPr>
       </a:lvl1pPr>
       <a:lvl2pPr marR="0" lvl="1" algn="l" rtl="0">
@@ -22431,15 +22431,15 @@
         <a:buClr>
           <a:srgbClr val="000000"/>
         </a:buClr>
-        <a:buFont typeface="Arial" panose="020B0604020202020204"/>
+        <a:buFont typeface="Arial" panose="020B0604020202090204"/>
         <a:defRPr sz="1400" b="0" i="0" u="none" strike="noStrike" cap="none">
           <a:solidFill>
             <a:srgbClr val="000000"/>
           </a:solidFill>
-          <a:latin typeface="Arial" panose="020B0604020202020204"/>
-          <a:ea typeface="Arial" panose="020B0604020202020204"/>
-          <a:cs typeface="Arial" panose="020B0604020202020204"/>
-          <a:sym typeface="Arial" panose="020B0604020202020204"/>
+          <a:latin typeface="Arial" panose="020B0604020202090204"/>
+          <a:ea typeface="Arial" panose="020B0604020202090204"/>
+          <a:cs typeface="Arial" panose="020B0604020202090204"/>
+          <a:sym typeface="Arial" panose="020B0604020202090204"/>
         </a:defRPr>
       </a:lvl2pPr>
       <a:lvl3pPr marR="0" lvl="2" algn="l" rtl="0">
@@ -22455,15 +22455,15 @@
         <a:buClr>
           <a:srgbClr val="000000"/>
         </a:buClr>
-        <a:buFont typeface="Arial" panose="020B0604020202020204"/>
+        <a:buFont typeface="Arial" panose="020B0604020202090204"/>
         <a:defRPr sz="1400" b="0" i="0" u="none" strike="noStrike" cap="none">
           <a:solidFill>
             <a:srgbClr val="000000"/>
           </a:solidFill>
-          <a:latin typeface="Arial" panose="020B0604020202020204"/>
-          <a:ea typeface="Arial" panose="020B0604020202020204"/>
-          <a:cs typeface="Arial" panose="020B0604020202020204"/>
-          <a:sym typeface="Arial" panose="020B0604020202020204"/>
+          <a:latin typeface="Arial" panose="020B0604020202090204"/>
+          <a:ea typeface="Arial" panose="020B0604020202090204"/>
+          <a:cs typeface="Arial" panose="020B0604020202090204"/>
+          <a:sym typeface="Arial" panose="020B0604020202090204"/>
         </a:defRPr>
       </a:lvl3pPr>
       <a:lvl4pPr marR="0" lvl="3" algn="l" rtl="0">
@@ -22479,15 +22479,15 @@
         <a:buClr>
           <a:srgbClr val="000000"/>
         </a:buClr>
-        <a:buFont typeface="Arial" panose="020B0604020202020204"/>
+        <a:buFont typeface="Arial" panose="020B0604020202090204"/>
         <a:defRPr sz="1400" b="0" i="0" u="none" strike="noStrike" cap="none">
           <a:solidFill>
             <a:srgbClr val="000000"/>
           </a:solidFill>
-          <a:latin typeface="Arial" panose="020B0604020202020204"/>
-          <a:ea typeface="Arial" panose="020B0604020202020204"/>
-          <a:cs typeface="Arial" panose="020B0604020202020204"/>
-          <a:sym typeface="Arial" panose="020B0604020202020204"/>
+          <a:latin typeface="Arial" panose="020B0604020202090204"/>
+          <a:ea typeface="Arial" panose="020B0604020202090204"/>
+          <a:cs typeface="Arial" panose="020B0604020202090204"/>
+          <a:sym typeface="Arial" panose="020B0604020202090204"/>
         </a:defRPr>
       </a:lvl4pPr>
       <a:lvl5pPr marR="0" lvl="4" algn="l" rtl="0">
@@ -22503,15 +22503,15 @@
         <a:buClr>
           <a:srgbClr val="000000"/>
         </a:buClr>
-        <a:buFont typeface="Arial" panose="020B0604020202020204"/>
+        <a:buFont typeface="Arial" panose="020B0604020202090204"/>
         <a:defRPr sz="1400" b="0" i="0" u="none" strike="noStrike" cap="none">
           <a:solidFill>
             <a:srgbClr val="000000"/>
           </a:solidFill>
-          <a:latin typeface="Arial" panose="020B0604020202020204"/>
-          <a:ea typeface="Arial" panose="020B0604020202020204"/>
-          <a:cs typeface="Arial" panose="020B0604020202020204"/>
-          <a:sym typeface="Arial" panose="020B0604020202020204"/>
+          <a:latin typeface="Arial" panose="020B0604020202090204"/>
+          <a:ea typeface="Arial" panose="020B0604020202090204"/>
+          <a:cs typeface="Arial" panose="020B0604020202090204"/>
+          <a:sym typeface="Arial" panose="020B0604020202090204"/>
         </a:defRPr>
       </a:lvl5pPr>
       <a:lvl6pPr marR="0" lvl="5" algn="l" rtl="0">
@@ -22527,15 +22527,15 @@
         <a:buClr>
           <a:srgbClr val="000000"/>
         </a:buClr>
-        <a:buFont typeface="Arial" panose="020B0604020202020204"/>
+        <a:buFont typeface="Arial" panose="020B0604020202090204"/>
         <a:defRPr sz="1400" b="0" i="0" u="none" strike="noStrike" cap="none">
           <a:solidFill>
             <a:srgbClr val="000000"/>
           </a:solidFill>
-          <a:latin typeface="Arial" panose="020B0604020202020204"/>
-          <a:ea typeface="Arial" panose="020B0604020202020204"/>
-          <a:cs typeface="Arial" panose="020B0604020202020204"/>
-          <a:sym typeface="Arial" panose="020B0604020202020204"/>
+          <a:latin typeface="Arial" panose="020B0604020202090204"/>
+          <a:ea typeface="Arial" panose="020B0604020202090204"/>
+          <a:cs typeface="Arial" panose="020B0604020202090204"/>
+          <a:sym typeface="Arial" panose="020B0604020202090204"/>
         </a:defRPr>
       </a:lvl6pPr>
       <a:lvl7pPr marR="0" lvl="6" algn="l" rtl="0">
@@ -22551,15 +22551,15 @@
         <a:buClr>
           <a:srgbClr val="000000"/>
         </a:buClr>
-        <a:buFont typeface="Arial" panose="020B0604020202020204"/>
+        <a:buFont typeface="Arial" panose="020B0604020202090204"/>
         <a:defRPr sz="1400" b="0" i="0" u="none" strike="noStrike" cap="none">
           <a:solidFill>
             <a:srgbClr val="000000"/>
           </a:solidFill>
-          <a:latin typeface="Arial" panose="020B0604020202020204"/>
-          <a:ea typeface="Arial" panose="020B0604020202020204"/>
-          <a:cs typeface="Arial" panose="020B0604020202020204"/>
-          <a:sym typeface="Arial" panose="020B0604020202020204"/>
+          <a:latin typeface="Arial" panose="020B0604020202090204"/>
+          <a:ea typeface="Arial" panose="020B0604020202090204"/>
+          <a:cs typeface="Arial" panose="020B0604020202090204"/>
+          <a:sym typeface="Arial" panose="020B0604020202090204"/>
         </a:defRPr>
       </a:lvl7pPr>
       <a:lvl8pPr marR="0" lvl="7" algn="l" rtl="0">
@@ -22575,15 +22575,15 @@
         <a:buClr>
           <a:srgbClr val="000000"/>
         </a:buClr>
-        <a:buFont typeface="Arial" panose="020B0604020202020204"/>
+        <a:buFont typeface="Arial" panose="020B0604020202090204"/>
         <a:defRPr sz="1400" b="0" i="0" u="none" strike="noStrike" cap="none">
           <a:solidFill>
             <a:srgbClr val="000000"/>
           </a:solidFill>
-          <a:latin typeface="Arial" panose="020B0604020202020204"/>
-          <a:ea typeface="Arial" panose="020B0604020202020204"/>
-          <a:cs typeface="Arial" panose="020B0604020202020204"/>
-          <a:sym typeface="Arial" panose="020B0604020202020204"/>
+          <a:latin typeface="Arial" panose="020B0604020202090204"/>
+          <a:ea typeface="Arial" panose="020B0604020202090204"/>
+          <a:cs typeface="Arial" panose="020B0604020202090204"/>
+          <a:sym typeface="Arial" panose="020B0604020202090204"/>
         </a:defRPr>
       </a:lvl8pPr>
       <a:lvl9pPr marR="0" lvl="8" algn="l" rtl="0">
@@ -22599,15 +22599,15 @@
         <a:buClr>
           <a:srgbClr val="000000"/>
         </a:buClr>
-        <a:buFont typeface="Arial" panose="020B0604020202020204"/>
+        <a:buFont typeface="Arial" panose="020B0604020202090204"/>
         <a:defRPr sz="1400" b="0" i="0" u="none" strike="noStrike" cap="none">
           <a:solidFill>
             <a:srgbClr val="000000"/>
           </a:solidFill>
-          <a:latin typeface="Arial" panose="020B0604020202020204"/>
-          <a:ea typeface="Arial" panose="020B0604020202020204"/>
-          <a:cs typeface="Arial" panose="020B0604020202020204"/>
-          <a:sym typeface="Arial" panose="020B0604020202020204"/>
+          <a:latin typeface="Arial" panose="020B0604020202090204"/>
+          <a:ea typeface="Arial" panose="020B0604020202090204"/>
+          <a:cs typeface="Arial" panose="020B0604020202090204"/>
+          <a:sym typeface="Arial" panose="020B0604020202090204"/>
         </a:defRPr>
       </a:lvl9pPr>
     </p:otherStyle>
@@ -22666,149 +22666,224 @@
             </a:pPr>
             <a:r>
               <a:rPr lang="en-GB" sz="2400" dirty="0" smtClean="0">
+                <a:solidFill>
+                  <a:schemeClr val="accent2"/>
+                </a:solidFill>
                 <a:sym typeface="+mn-ea"/>
               </a:rPr>
               <a:t>A</a:t>
             </a:r>
             <a:r>
               <a:rPr lang="en-US" altLang="en-GB" sz="2400" dirty="0" smtClean="0">
+                <a:solidFill>
+                  <a:schemeClr val="accent2"/>
+                </a:solidFill>
                 <a:sym typeface="+mn-ea"/>
               </a:rPr>
               <a:t>ndroid</a:t>
             </a:r>
             <a:r>
               <a:rPr lang="en-GB" sz="2400" dirty="0" smtClean="0">
+                <a:solidFill>
+                  <a:schemeClr val="accent2"/>
+                </a:solidFill>
                 <a:sym typeface="+mn-ea"/>
               </a:rPr>
               <a:t> </a:t>
             </a:r>
             <a:r>
               <a:rPr lang="en-US" altLang="en-GB" sz="2400" dirty="0" smtClean="0">
+                <a:solidFill>
+                  <a:schemeClr val="accent2"/>
+                </a:solidFill>
                 <a:sym typeface="+mn-ea"/>
               </a:rPr>
               <a:t>application</a:t>
             </a:r>
             <a:r>
               <a:rPr lang="en-GB" sz="2400" dirty="0" smtClean="0">
+                <a:solidFill>
+                  <a:schemeClr val="accent2"/>
+                </a:solidFill>
                 <a:sym typeface="+mn-ea"/>
               </a:rPr>
               <a:t> </a:t>
             </a:r>
             <a:r>
               <a:rPr lang="en-US" altLang="en-GB" sz="2400" dirty="0" smtClean="0">
+                <a:solidFill>
+                  <a:schemeClr val="accent2"/>
+                </a:solidFill>
                 <a:sym typeface="+mn-ea"/>
               </a:rPr>
               <a:t>to</a:t>
             </a:r>
             <a:r>
               <a:rPr lang="en-GB" sz="2400" dirty="0" smtClean="0">
+                <a:solidFill>
+                  <a:schemeClr val="accent2"/>
+                </a:solidFill>
                 <a:sym typeface="+mn-ea"/>
               </a:rPr>
               <a:t> </a:t>
             </a:r>
             <a:r>
               <a:rPr lang="en-US" altLang="en-GB" sz="2400" dirty="0" smtClean="0">
+                <a:solidFill>
+                  <a:schemeClr val="accent2"/>
+                </a:solidFill>
                 <a:sym typeface="+mn-ea"/>
               </a:rPr>
               <a:t>address</a:t>
             </a:r>
             <a:r>
               <a:rPr lang="en-GB" sz="2400" dirty="0" smtClean="0">
+                <a:solidFill>
+                  <a:schemeClr val="accent2"/>
+                </a:solidFill>
                 <a:sym typeface="+mn-ea"/>
               </a:rPr>
               <a:t> CIVIC ISSUES </a:t>
             </a:r>
             <a:r>
               <a:rPr lang="en-US" altLang="en-GB" sz="2400" dirty="0" smtClean="0">
+                <a:solidFill>
+                  <a:schemeClr val="accent2"/>
+                </a:solidFill>
                 <a:sym typeface="+mn-ea"/>
               </a:rPr>
               <a:t>by</a:t>
             </a:r>
             <a:r>
               <a:rPr lang="en-GB" sz="2400" dirty="0" smtClean="0">
+                <a:solidFill>
+                  <a:schemeClr val="accent2"/>
+                </a:solidFill>
                 <a:sym typeface="+mn-ea"/>
               </a:rPr>
               <a:t> </a:t>
             </a:r>
             <a:r>
               <a:rPr lang="en-US" altLang="en-GB" sz="2400" dirty="0" smtClean="0">
+                <a:solidFill>
+                  <a:schemeClr val="accent2"/>
+                </a:solidFill>
                 <a:sym typeface="+mn-ea"/>
               </a:rPr>
               <a:t>helping</a:t>
             </a:r>
             <a:r>
               <a:rPr lang="en-GB" sz="2400" dirty="0" smtClean="0">
+                <a:solidFill>
+                  <a:schemeClr val="accent2"/>
+                </a:solidFill>
                 <a:sym typeface="+mn-ea"/>
               </a:rPr>
               <a:t> </a:t>
             </a:r>
             <a:r>
               <a:rPr lang="en-US" altLang="en-GB" sz="2400" dirty="0" smtClean="0">
+                <a:solidFill>
+                  <a:schemeClr val="accent2"/>
+                </a:solidFill>
                 <a:sym typeface="+mn-ea"/>
               </a:rPr>
               <a:t>citizens</a:t>
             </a:r>
             <a:r>
               <a:rPr lang="en-GB" sz="2400" dirty="0" smtClean="0">
+                <a:solidFill>
+                  <a:schemeClr val="accent2"/>
+                </a:solidFill>
                 <a:sym typeface="+mn-ea"/>
               </a:rPr>
               <a:t> </a:t>
             </a:r>
             <a:r>
               <a:rPr lang="en-US" altLang="en-GB" sz="2400" dirty="0" smtClean="0">
+                <a:solidFill>
+                  <a:schemeClr val="accent2"/>
+                </a:solidFill>
                 <a:sym typeface="+mn-ea"/>
               </a:rPr>
               <a:t>to</a:t>
             </a:r>
             <a:r>
               <a:rPr lang="en-GB" sz="2400" dirty="0" smtClean="0">
+                <a:solidFill>
+                  <a:schemeClr val="accent2"/>
+                </a:solidFill>
                 <a:sym typeface="+mn-ea"/>
               </a:rPr>
               <a:t> </a:t>
             </a:r>
             <a:r>
               <a:rPr lang="en-US" altLang="en-GB" sz="2400" dirty="0" smtClean="0">
+                <a:solidFill>
+                  <a:schemeClr val="accent2"/>
+                </a:solidFill>
                 <a:sym typeface="+mn-ea"/>
               </a:rPr>
               <a:t>get</a:t>
             </a:r>
             <a:r>
               <a:rPr lang="en-GB" sz="2400" dirty="0" smtClean="0">
+                <a:solidFill>
+                  <a:schemeClr val="accent2"/>
+                </a:solidFill>
                 <a:sym typeface="+mn-ea"/>
               </a:rPr>
               <a:t> </a:t>
             </a:r>
             <a:r>
               <a:rPr lang="en-US" altLang="en-GB" sz="2400" dirty="0" smtClean="0">
+                <a:solidFill>
+                  <a:schemeClr val="accent2"/>
+                </a:solidFill>
                 <a:sym typeface="+mn-ea"/>
               </a:rPr>
               <a:t>in</a:t>
             </a:r>
             <a:r>
               <a:rPr lang="en-GB" sz="2400" dirty="0" smtClean="0">
+                <a:solidFill>
+                  <a:schemeClr val="accent2"/>
+                </a:solidFill>
                 <a:sym typeface="+mn-ea"/>
               </a:rPr>
               <a:t> </a:t>
             </a:r>
             <a:r>
               <a:rPr lang="en-US" altLang="en-GB" sz="2400" dirty="0" smtClean="0">
+                <a:solidFill>
+                  <a:schemeClr val="accent2"/>
+                </a:solidFill>
                 <a:sym typeface="+mn-ea"/>
               </a:rPr>
               <a:t>touch</a:t>
             </a:r>
             <a:r>
               <a:rPr lang="en-GB" sz="2400" dirty="0" smtClean="0">
+                <a:solidFill>
+                  <a:schemeClr val="accent2"/>
+                </a:solidFill>
                 <a:sym typeface="+mn-ea"/>
               </a:rPr>
               <a:t> </a:t>
             </a:r>
             <a:r>
               <a:rPr lang="en-US" altLang="en-GB" sz="2400" dirty="0" smtClean="0">
+                <a:solidFill>
+                  <a:schemeClr val="accent2"/>
+                </a:solidFill>
                 <a:sym typeface="+mn-ea"/>
               </a:rPr>
               <a:t>with local authorities</a:t>
             </a:r>
             <a:endParaRPr lang="en-US" altLang="en-GB" sz="2400" dirty="0" smtClean="0">
+              <a:solidFill>
+                <a:schemeClr val="accent2"/>
+              </a:solidFill>
               <a:sym typeface="+mn-ea"/>
             </a:endParaRPr>
           </a:p>
@@ -22847,7 +22922,7 @@
               <a:buClr>
                 <a:srgbClr val="C9B18E"/>
               </a:buClr>
-              <a:buFont typeface="Arial" panose="020B0604020202020204" pitchFamily="34" charset="0"/>
+              <a:buFont typeface="Arial" panose="020B0604020202090204" pitchFamily="34" charset="0"/>
             </a:pPr>
             <a:r>
               <a:rPr lang="en-GB" sz="1600" b="1" u="sng" dirty="0" smtClean="0">
@@ -22889,7 +22964,7 @@
               <a:buClr>
                 <a:srgbClr val="C9B18E"/>
               </a:buClr>
-              <a:buFont typeface="Arial" panose="020B0604020202020204" pitchFamily="34" charset="0"/>
+              <a:buFont typeface="Arial" panose="020B0604020202090204" pitchFamily="34" charset="0"/>
               <a:buChar char="•"/>
             </a:pPr>
             <a:r>
@@ -22918,7 +22993,7 @@
               <a:buClr>
                 <a:srgbClr val="C9B18E"/>
               </a:buClr>
-              <a:buFont typeface="Arial" panose="020B0604020202020204" pitchFamily="34" charset="0"/>
+              <a:buFont typeface="Arial" panose="020B0604020202090204" pitchFamily="34" charset="0"/>
               <a:buChar char="•"/>
             </a:pPr>
             <a:r>
@@ -22947,7 +23022,7 @@
               <a:buClr>
                 <a:srgbClr val="C9B18E"/>
               </a:buClr>
-              <a:buFont typeface="Arial" panose="020B0604020202020204" pitchFamily="34" charset="0"/>
+              <a:buFont typeface="Arial" panose="020B0604020202090204" pitchFamily="34" charset="0"/>
               <a:buChar char="•"/>
             </a:pPr>
             <a:r>
@@ -24674,10 +24749,18 @@
               <a:buNone/>
             </a:pPr>
             <a:r>
-              <a:rPr lang="en-US" altLang="en-GB" sz="2800"/>
+              <a:rPr lang="en-US" altLang="en-GB" sz="2800">
+                <a:solidFill>
+                  <a:schemeClr val="accent2"/>
+                </a:solidFill>
+              </a:rPr>
               <a:t>Result:</a:t>
             </a:r>
-            <a:endParaRPr lang="en-US" altLang="en-GB" sz="2800"/>
+            <a:endParaRPr lang="en-US" altLang="en-GB" sz="2800">
+              <a:solidFill>
+                <a:schemeClr val="accent2"/>
+              </a:solidFill>
+            </a:endParaRPr>
           </a:p>
         </p:txBody>
       </p:sp>
@@ -25900,17 +25983,33 @@
           <a:p>
             <a:pPr algn="l"/>
             <a:r>
-              <a:rPr lang="en-US" sz="1800"/>
+              <a:rPr lang="en-US" sz="1800">
+                <a:solidFill>
+                  <a:schemeClr val="tx1"/>
+                </a:solidFill>
+              </a:rPr>
               <a:t>The future version of this project would consist of</a:t>
             </a:r>
             <a:br>
-              <a:rPr lang="en-US" sz="1800"/>
+              <a:rPr lang="en-US" sz="1800">
+                <a:solidFill>
+                  <a:schemeClr val="tx1"/>
+                </a:solidFill>
+              </a:rPr>
             </a:br>
             <a:r>
-              <a:rPr lang="en-US" sz="1800"/>
+              <a:rPr lang="en-US" sz="1800">
+                <a:solidFill>
+                  <a:schemeClr val="tx1"/>
+                </a:solidFill>
+              </a:rPr>
               <a:t>features like app notification, google maps, and OTP's to easily login to app. It can be easily deployed to use by the citizens and the Municipal Corporations.</a:t>
             </a:r>
-            <a:endParaRPr lang="en-US" sz="1800"/>
+            <a:endParaRPr lang="en-US" sz="1800">
+              <a:solidFill>
+                <a:schemeClr val="tx1"/>
+              </a:solidFill>
+            </a:endParaRPr>
           </a:p>
         </p:txBody>
       </p:sp>
@@ -26105,13 +26204,7 @@
               <a:rPr lang="en-US" sz="1400" dirty="0">
                 <a:sym typeface="+mn-ea"/>
               </a:rPr>
-              <a:t>So the proposed system would be in which people can take pictures of the issues of the neighborhood and submit the picture along with details to a local government body, the complaint would be lodged along with the address of the issue with the local government which in turn can forward the problem to the appropriate department and the department will look after the issue. The citizens will be made available with the current status of the complaint and what action is being taken against it and how quickly the problem can be solved</a:t>
-            </a:r>
-            <a:r>
-              <a:rPr lang="en-US" sz="1400" dirty="0" smtClean="0">
-                <a:sym typeface="+mn-ea"/>
-              </a:rPr>
-              <a:t>.</a:t>
+              <a:t>The Project 'To address civic issues' is an android application. This software provides user to report the civic issues in his/her locality with multimedia content(photos).</a:t>
             </a:r>
             <a:endParaRPr lang="en-US" sz="1400" dirty="0" smtClean="0"/>
           </a:p>
@@ -26131,11 +26224,8 @@
               <a:rPr lang="en-US" sz="1400" dirty="0">
                 <a:sym typeface="+mn-ea"/>
               </a:rPr>
-              <a:t>The main purpose of this project is to help the public by providing them a system that can be used for the betterment of the city and can make the city clean and problem-free as well as the citizen life easier.</a:t>
+              <a:t>This system allows user to sign up and enter a complaint with photos and  admin can verify, reject, or delete the complaints</a:t>
             </a:r>
-            <a:endParaRPr lang="en-US" sz="1400" dirty="0" smtClean="0"/>
-          </a:p>
-          <a:p>
             <a:endParaRPr lang="en-US" sz="1400" dirty="0" smtClean="0"/>
           </a:p>
         </p:txBody>
@@ -26972,7 +27062,7 @@
                 <a:schemeClr val="dk1"/>
               </a:buClr>
               <a:buSzPts val="1100"/>
-              <a:buFont typeface="Arial" panose="020B0604020202020204"/>
+              <a:buFont typeface="Arial" panose="020B0604020202090204"/>
               <a:buNone/>
             </a:pPr>
             <a:r>
@@ -27077,7 +27167,7 @@
                 <a:schemeClr val="dk1"/>
               </a:buClr>
               <a:buSzPts val="1100"/>
-              <a:buFont typeface="Arial" panose="020B0604020202020204"/>
+              <a:buFont typeface="Arial" panose="020B0604020202090204"/>
               <a:buNone/>
             </a:pPr>
             <a:r>
@@ -27182,7 +27272,7 @@
                 <a:schemeClr val="dk1"/>
               </a:buClr>
               <a:buSzPts val="1100"/>
-              <a:buFont typeface="Arial" panose="020B0604020202020204"/>
+              <a:buFont typeface="Arial" panose="020B0604020202090204"/>
               <a:buNone/>
             </a:pPr>
             <a:r>
